--- a/LTI_Angular/PPT/AngularDirectives.pptx
+++ b/LTI_Angular/PPT/AngularDirectives.pptx
@@ -233,7 +233,7 @@
           <a:p>
             <a:fld id="{5BE311DA-4B78-415A-8C6F-8FB7CBF1EA36}" type="datetimeFigureOut">
               <a:rPr lang="en-IN" smtClean="0"/>
-              <a:t>06-06-2022</a:t>
+              <a:t>15/09/2022</a:t>
             </a:fld>
             <a:endParaRPr lang="en-IN"/>
           </a:p>
@@ -1131,7 +1131,7 @@
           <a:p>
             <a:fld id="{D2474CCF-98B4-411A-8810-C31E8C29E19B}" type="datetimeFigureOut">
               <a:rPr lang="en-US" smtClean="0"/>
-              <a:t>6/6/2022</a:t>
+              <a:t>9/15/2022</a:t>
             </a:fld>
             <a:endParaRPr lang="en-US"/>
           </a:p>
@@ -1559,7 +1559,7 @@
           <a:p>
             <a:fld id="{D2474CCF-98B4-411A-8810-C31E8C29E19B}" type="datetimeFigureOut">
               <a:rPr lang="en-US" smtClean="0"/>
-              <a:t>6/6/2022</a:t>
+              <a:t>9/15/2022</a:t>
             </a:fld>
             <a:endParaRPr lang="en-US"/>
           </a:p>
@@ -1767,7 +1767,7 @@
           <a:p>
             <a:fld id="{D2474CCF-98B4-411A-8810-C31E8C29E19B}" type="datetimeFigureOut">
               <a:rPr lang="en-US" smtClean="0"/>
-              <a:t>6/6/2022</a:t>
+              <a:t>9/15/2022</a:t>
             </a:fld>
             <a:endParaRPr lang="en-US"/>
           </a:p>
@@ -2543,7 +2543,7 @@
           <a:p>
             <a:fld id="{D2474CCF-98B4-411A-8810-C31E8C29E19B}" type="datetimeFigureOut">
               <a:rPr lang="en-US" smtClean="0"/>
-              <a:t>6/6/2022</a:t>
+              <a:t>9/15/2022</a:t>
             </a:fld>
             <a:endParaRPr lang="en-US"/>
           </a:p>
@@ -3221,7 +3221,7 @@
           <a:p>
             <a:fld id="{D2474CCF-98B4-411A-8810-C31E8C29E19B}" type="datetimeFigureOut">
               <a:rPr lang="en-US" smtClean="0"/>
-              <a:t>6/6/2022</a:t>
+              <a:t>9/15/2022</a:t>
             </a:fld>
             <a:endParaRPr lang="en-US"/>
           </a:p>
@@ -3912,7 +3912,7 @@
           <a:p>
             <a:fld id="{D2474CCF-98B4-411A-8810-C31E8C29E19B}" type="datetimeFigureOut">
               <a:rPr lang="en-US" smtClean="0"/>
-              <a:t>6/6/2022</a:t>
+              <a:t>9/15/2022</a:t>
             </a:fld>
             <a:endParaRPr lang="en-US"/>
           </a:p>
@@ -4714,7 +4714,7 @@
           <a:p>
             <a:fld id="{D2474CCF-98B4-411A-8810-C31E8C29E19B}" type="datetimeFigureOut">
               <a:rPr lang="en-US" smtClean="0"/>
-              <a:t>6/6/2022</a:t>
+              <a:t>9/15/2022</a:t>
             </a:fld>
             <a:endParaRPr lang="en-US"/>
           </a:p>
@@ -5245,7 +5245,7 @@
           <a:p>
             <a:fld id="{D2474CCF-98B4-411A-8810-C31E8C29E19B}" type="datetimeFigureOut">
               <a:rPr lang="en-US" smtClean="0"/>
-              <a:t>6/6/2022</a:t>
+              <a:t>9/15/2022</a:t>
             </a:fld>
             <a:endParaRPr lang="en-US"/>
           </a:p>
@@ -5748,7 +5748,7 @@
           <a:p>
             <a:fld id="{D2474CCF-98B4-411A-8810-C31E8C29E19B}" type="datetimeFigureOut">
               <a:rPr lang="en-US" smtClean="0"/>
-              <a:t>6/6/2022</a:t>
+              <a:t>9/15/2022</a:t>
             </a:fld>
             <a:endParaRPr lang="en-US"/>
           </a:p>
@@ -6059,7 +6059,7 @@
           <a:p>
             <a:fld id="{D2474CCF-98B4-411A-8810-C31E8C29E19B}" type="datetimeFigureOut">
               <a:rPr lang="en-US" smtClean="0"/>
-              <a:t>6/6/2022</a:t>
+              <a:t>9/15/2022</a:t>
             </a:fld>
             <a:endParaRPr lang="en-US"/>
           </a:p>
@@ -6350,7 +6350,7 @@
           <a:p>
             <a:fld id="{D2474CCF-98B4-411A-8810-C31E8C29E19B}" type="datetimeFigureOut">
               <a:rPr lang="en-US" smtClean="0"/>
-              <a:t>6/6/2022</a:t>
+              <a:t>9/15/2022</a:t>
             </a:fld>
             <a:endParaRPr lang="en-US"/>
           </a:p>
@@ -6591,7 +6591,7 @@
           <a:p>
             <a:fld id="{D2474CCF-98B4-411A-8810-C31E8C29E19B}" type="datetimeFigureOut">
               <a:rPr lang="en-US" smtClean="0"/>
-              <a:t>6/6/2022</a:t>
+              <a:t>9/15/2022</a:t>
             </a:fld>
             <a:endParaRPr lang="en-US"/>
           </a:p>
@@ -7316,7 +7316,51 @@
                 <a:latin typeface="Arial" panose="020B0604020202020204" pitchFamily="34" charset="0"/>
                 <a:cs typeface="Arial" panose="020B0604020202020204" pitchFamily="34" charset="0"/>
               </a:rPr>
-              <a:t> as examples here.</a:t>
+              <a:t> as examples here.&lt;</a:t>
+            </a:r>
+            <a:r>
+              <a:rPr lang="en-US" b="0" i="0" dirty="0" err="1">
+                <a:solidFill>
+                  <a:schemeClr val="tx1"/>
+                </a:solidFill>
+                <a:effectLst/>
+                <a:latin typeface="Arial" panose="020B0604020202020204" pitchFamily="34" charset="0"/>
+                <a:cs typeface="Arial" panose="020B0604020202020204" pitchFamily="34" charset="0"/>
+              </a:rPr>
+              <a:t>ol</a:t>
+            </a:r>
+            <a:r>
+              <a:rPr lang="en-US" b="0" i="0" dirty="0">
+                <a:solidFill>
+                  <a:schemeClr val="tx1"/>
+                </a:solidFill>
+                <a:effectLst/>
+                <a:latin typeface="Arial" panose="020B0604020202020204" pitchFamily="34" charset="0"/>
+                <a:cs typeface="Arial" panose="020B0604020202020204" pitchFamily="34" charset="0"/>
+              </a:rPr>
+              <a:t>&gt;&lt;</a:t>
+            </a:r>
+            <a:r>
+              <a:rPr lang="en-US" b="0" i="0" dirty="0" err="1">
+                <a:solidFill>
+                  <a:schemeClr val="tx1"/>
+                </a:solidFill>
+                <a:effectLst/>
+                <a:latin typeface="Arial" panose="020B0604020202020204" pitchFamily="34" charset="0"/>
+                <a:cs typeface="Arial" panose="020B0604020202020204" pitchFamily="34" charset="0"/>
+              </a:rPr>
+              <a:t>ul</a:t>
+            </a:r>
+            <a:r>
+              <a:rPr lang="en-US" b="0" i="0" dirty="0">
+                <a:solidFill>
+                  <a:schemeClr val="tx1"/>
+                </a:solidFill>
+                <a:effectLst/>
+                <a:latin typeface="Arial" panose="020B0604020202020204" pitchFamily="34" charset="0"/>
+                <a:cs typeface="Arial" panose="020B0604020202020204" pitchFamily="34" charset="0"/>
+              </a:rPr>
+              <a:t>&gt;&lt;table&gt;&lt;tr&gt;</a:t>
             </a:r>
           </a:p>
           <a:p>
@@ -8080,7 +8124,7 @@
                 <a:effectLst/>
                 <a:latin typeface="Consolas" panose="020B0609020204030204" pitchFamily="49" charset="0"/>
               </a:rPr>
-              <a:t>="true"&gt; &lt;/div&gt; </a:t>
+              <a:t>="true"&gt;     display o/p &lt;/div&gt; </a:t>
             </a:r>
           </a:p>
           <a:p>
@@ -8137,7 +8181,7 @@
                 <a:effectLst/>
                 <a:latin typeface="Consolas" panose="020B0609020204030204" pitchFamily="49" charset="0"/>
               </a:rPr>
-              <a:t>="false"&gt; &lt;/div&gt;</a:t>
+              <a:t>="false"&gt;not display  &lt;/div&gt;</a:t>
             </a:r>
             <a:r>
               <a:rPr kumimoji="0" lang="en-US" altLang="en-US" sz="2400" b="0" i="0" u="none" strike="noStrike" cap="none" normalizeH="0" baseline="0" dirty="0">
@@ -8736,7 +8780,7 @@
                 <a:effectLst/>
                 <a:latin typeface="inherit"/>
               </a:rPr>
-              <a:t>element </a:t>
+              <a:t>element *</a:t>
             </a:r>
             <a:r>
               <a:rPr lang="en-US" b="0" i="0" dirty="0" err="1">
